--- a/output/modernWorship/Cornerstone.pptx
+++ b/output/modernWorship/Cornerstone.pptx
@@ -11,7 +11,6 @@
     <p:sldId r:id="rId11" id="259"/>
     <p:sldId r:id="rId12" id="260"/>
     <p:sldId r:id="rId13" id="261"/>
-    <p:sldId r:id="rId14" id="262"/>
   </p:sldIdLst>
   <p:sldSz cx="9144000" cy="6858000" type="screen4x3"/>
   <p:notesSz cx="6858000" cy="9144000"/>
@@ -664,7 +663,7 @@
           <a:lstStyle/>
           <a:p>
             <a:r>
-              <a:t>Verse 2  </a:t>
+              <a:t>Verse 2</a:t>
             </a:r>
             <a:br/>
             <a:r>
@@ -820,7 +819,7 @@
           <a:lstStyle/>
           <a:p>
             <a:r>
-              <a:t>Instrumental</a:t>
+              <a:t>Verse 3</a:t>
             </a:r>
             <a:br/>
             <a:r>
@@ -854,84 +853,6 @@
 </file>
 
 <file path=ppt/notesSlides/notesSlide6.xml><?xml version="1.0" encoding="utf-8"?>
-<p:notes xmlns:a="http://schemas.openxmlformats.org/drawingml/2006/main" xmlns:p="http://schemas.openxmlformats.org/presentationml/2006/main" xmlns:r="http://schemas.openxmlformats.org/officeDocument/2006/relationships">
-  <p:cSld>
-    <p:spTree>
-      <p:nvGrpSpPr>
-        <p:cNvPr id="1" name=""/>
-        <p:cNvGrpSpPr/>
-        <p:nvPr/>
-      </p:nvGrpSpPr>
-      <p:grpSpPr>
-        <a:xfrm>
-          <a:off x="0" y="0"/>
-          <a:ext cx="0" cy="0"/>
-          <a:chOff x="0" y="0"/>
-          <a:chExt cx="0" cy="0"/>
-        </a:xfrm>
-      </p:grpSpPr>
-      <p:sp>
-        <p:nvSpPr>
-          <p:cNvPr id="2" name="Slide Image Placeholder 1"/>
-          <p:cNvSpPr>
-            <a:spLocks noGrp="1"/>
-          </p:cNvSpPr>
-          <p:nvPr>
-            <p:ph type="sldImg" idx="2"/>
-          </p:nvPr>
-        </p:nvSpPr>
-        <p:spPr/>
-      </p:sp>
-      <p:sp>
-        <p:nvSpPr>
-          <p:cNvPr id="3" name="Notes Placeholder 2"/>
-          <p:cNvSpPr>
-            <a:spLocks noGrp="1"/>
-          </p:cNvSpPr>
-          <p:nvPr>
-            <p:ph type="body" idx="3" sz="quarter"/>
-          </p:nvPr>
-        </p:nvSpPr>
-        <p:spPr/>
-        <p:txBody>
-          <a:bodyPr/>
-          <a:lstStyle/>
-          <a:p>
-            <a:r>
-              <a:t>Repeat Chorus 2</a:t>
-            </a:r>
-            <a:br/>
-            <a:r>
-              <a:t>Writers:  Edward Mote, Eric Liljero, Jonas Myrin, Reuben Morgan</a:t>
-            </a:r>
-            <a:br/>
-            <a:r>
-              <a:t>CCLI:  6158927</a:t>
-            </a:r>
-          </a:p>
-        </p:txBody>
-      </p:sp>
-      <p:sp>
-        <p:nvSpPr>
-          <p:cNvPr id="4" name="Slide Number Placeholder 3"/>
-          <p:cNvSpPr>
-            <a:spLocks noGrp="1"/>
-          </p:cNvSpPr>
-          <p:nvPr>
-            <p:ph type="sldNum" idx="5" sz="quarter"/>
-          </p:nvPr>
-        </p:nvSpPr>
-        <p:spPr/>
-      </p:sp>
-    </p:spTree>
-  </p:cSld>
-  <p:clrMapOvr>
-    <a:masterClrMapping/>
-  </p:clrMapOvr>
-</p:notes>
-</file>
-
-<file path=ppt/notesSlides/notesSlide7.xml><?xml version="1.0" encoding="utf-8"?>
 <p:notes xmlns:a="http://schemas.openxmlformats.org/drawingml/2006/main" xmlns:p="http://schemas.openxmlformats.org/presentationml/2006/main" xmlns:r="http://schemas.openxmlformats.org/officeDocument/2006/relationships">
   <p:cSld>
     <p:spTree>
@@ -4124,7 +4045,7 @@
             </a:r>
             <a:br/>
             <a:r>
-              <a:t>Weak made strong in the Savior's love      </a:t>
+              <a:t>Weak made strong in the Savior's love</a:t>
             </a:r>
             <a:br/>
             <a:r>
@@ -4272,7 +4193,7 @@
               <a:defRPr sz="1200"/>
             </a:pPr>
             <a:r>
-              <a:t>Verse 2  </a:t>
+              <a:t>Verse 2</a:t>
             </a:r>
             <a:br/>
             <a:r>
@@ -4334,7 +4255,7 @@
             </a:r>
             <a:br/>
             <a:r>
-              <a:t>Weak made strong in the Savior's love     </a:t>
+              <a:t>Weak made strong in the Savior's love</a:t>
             </a:r>
             <a:br/>
             <a:r>
@@ -4432,6 +4353,21 @@
             <a:pPr>
               <a:defRPr sz="2500"/>
             </a:pPr>
+            <a:r>
+              <a:t>When he shall come with trumpet sound</a:t>
+            </a:r>
+            <a:br/>
+            <a:r>
+              <a:t>Oh may I then in Him be found</a:t>
+            </a:r>
+            <a:br/>
+            <a:r>
+              <a:t>Dressed in His righteousness alone</a:t>
+            </a:r>
+            <a:br/>
+            <a:r>
+              <a:t>Faultless stand before the throne</a:t>
+            </a:r>
             <a:br/>
           </a:p>
         </p:txBody>
@@ -4463,7 +4399,7 @@
               <a:defRPr sz="1200"/>
             </a:pPr>
             <a:r>
-              <a:t>Instrumental</a:t>
+              <a:t>Verse 3</a:t>
             </a:r>
             <a:br/>
             <a:r>
@@ -4485,114 +4421,6 @@
 </file>
 
 <file path=ppt/slides/slide6.xml><?xml version="1.0" encoding="utf-8"?>
-<p:sld xmlns:a="http://schemas.openxmlformats.org/drawingml/2006/main" xmlns:p="http://schemas.openxmlformats.org/presentationml/2006/main" xmlns:r="http://schemas.openxmlformats.org/officeDocument/2006/relationships">
-  <p:cSld>
-    <p:spTree>
-      <p:nvGrpSpPr>
-        <p:cNvPr id="1" name=""/>
-        <p:cNvGrpSpPr/>
-        <p:nvPr/>
-      </p:nvGrpSpPr>
-      <p:grpSpPr/>
-      <p:sp>
-        <p:nvSpPr>
-          <p:cNvPr id="2" name="TextBox 1"/>
-          <p:cNvSpPr txBox="1"/>
-          <p:nvPr/>
-        </p:nvSpPr>
-        <p:spPr>
-          <a:xfrm>
-            <a:off x="914400" y="914400"/>
-            <a:ext cx="7315200" cy="914400"/>
-          </a:xfrm>
-          <a:prstGeom prst="rect">
-            <a:avLst/>
-          </a:prstGeom>
-          <a:noFill/>
-        </p:spPr>
-        <p:txBody>
-          <a:bodyPr wrap="none">
-            <a:spAutoFit/>
-          </a:bodyPr>
-          <a:lstStyle/>
-          <a:p/>
-          <a:p>
-            <a:br/>
-            <a:pPr>
-              <a:defRPr sz="2500"/>
-            </a:pPr>
-            <a:r>
-              <a:t>Verse 3</a:t>
-            </a:r>
-            <a:br/>
-            <a:r>
-              <a:t>When he shall come with trumpet sound</a:t>
-            </a:r>
-            <a:br/>
-            <a:r>
-              <a:t>Oh may I then in Him be found</a:t>
-            </a:r>
-            <a:br/>
-            <a:r>
-              <a:t>Dressed in His righteousness alone</a:t>
-            </a:r>
-            <a:br/>
-            <a:r>
-              <a:t>Faultless stand before the throne</a:t>
-            </a:r>
-            <a:br/>
-          </a:p>
-        </p:txBody>
-      </p:sp>
-      <p:sp>
-        <p:nvSpPr>
-          <p:cNvPr id="3" name="TextBox 2"/>
-          <p:cNvSpPr txBox="1"/>
-          <p:nvPr/>
-        </p:nvSpPr>
-        <p:spPr>
-          <a:xfrm>
-            <a:off x="4572000" y="5943600"/>
-            <a:ext cx="914400" cy="914400"/>
-          </a:xfrm>
-          <a:prstGeom prst="rect">
-            <a:avLst/>
-          </a:prstGeom>
-          <a:noFill/>
-        </p:spPr>
-        <p:txBody>
-          <a:bodyPr wrap="none">
-            <a:spAutoFit/>
-          </a:bodyPr>
-          <a:lstStyle/>
-          <a:p/>
-          <a:p>
-            <a:pPr>
-              <a:defRPr sz="1200"/>
-            </a:pPr>
-            <a:r>
-              <a:t>Repeat Chorus 2</a:t>
-            </a:r>
-            <a:br/>
-            <a:r>
-              <a:t>Writers:  Edward Mote, Eric Liljero, Jonas Myrin, Reuben Morgan</a:t>
-            </a:r>
-            <a:br/>
-            <a:r>
-              <a:t>CCLI:  6158927</a:t>
-            </a:r>
-          </a:p>
-        </p:txBody>
-      </p:sp>
-    </p:spTree>
-  </p:cSld>
-  <p:clrMapOvr>
-    <a:masterClrMapping/>
-  </p:clrMapOvr>
-</p:sld>
-</file>
-
-<file path=ppt/slides/slide7.xml><?xml version="1.0" encoding="utf-8"?>
 <p:sld xmlns:a="http://schemas.openxmlformats.org/drawingml/2006/main" xmlns:p="http://schemas.openxmlformats.org/presentationml/2006/main" xmlns:r="http://schemas.openxmlformats.org/officeDocument/2006/relationships">
   <p:cSld>
     <p:spTree>
